--- a/발표자료/wooriggiri_chatbot_중간발표_0522.pptx
+++ b/발표자료/wooriggiri_chatbot_중간발표_0522.pptx
@@ -281,7 +281,7 @@
           <a:p>
             <a:fld id="{38625AE7-4F4F-447B-B000-F35D054D4BD8}" type="datetimeFigureOut">
               <a:rPr lang="ko-KR" altLang="en-US" smtClean="0"/>
-              <a:t>2024-05-30</a:t>
+              <a:t>2024-05-31</a:t>
             </a:fld>
             <a:endParaRPr lang="ko-KR" altLang="en-US"/>
           </a:p>
@@ -479,7 +479,7 @@
           <a:p>
             <a:fld id="{38625AE7-4F4F-447B-B000-F35D054D4BD8}" type="datetimeFigureOut">
               <a:rPr lang="ko-KR" altLang="en-US" smtClean="0"/>
-              <a:t>2024-05-30</a:t>
+              <a:t>2024-05-31</a:t>
             </a:fld>
             <a:endParaRPr lang="ko-KR" altLang="en-US"/>
           </a:p>
@@ -687,7 +687,7 @@
           <a:p>
             <a:fld id="{38625AE7-4F4F-447B-B000-F35D054D4BD8}" type="datetimeFigureOut">
               <a:rPr lang="ko-KR" altLang="en-US" smtClean="0"/>
-              <a:t>2024-05-30</a:t>
+              <a:t>2024-05-31</a:t>
             </a:fld>
             <a:endParaRPr lang="ko-KR" altLang="en-US"/>
           </a:p>
@@ -1026,7 +1026,7 @@
           <a:p>
             <a:fld id="{38625AE7-4F4F-447B-B000-F35D054D4BD8}" type="datetimeFigureOut">
               <a:rPr lang="ko-KR" altLang="en-US" smtClean="0"/>
-              <a:t>2024-05-30</a:t>
+              <a:t>2024-05-31</a:t>
             </a:fld>
             <a:endParaRPr lang="ko-KR" altLang="en-US"/>
           </a:p>
@@ -1301,7 +1301,7 @@
           <a:p>
             <a:fld id="{38625AE7-4F4F-447B-B000-F35D054D4BD8}" type="datetimeFigureOut">
               <a:rPr lang="ko-KR" altLang="en-US" smtClean="0"/>
-              <a:t>2024-05-30</a:t>
+              <a:t>2024-05-31</a:t>
             </a:fld>
             <a:endParaRPr lang="ko-KR" altLang="en-US"/>
           </a:p>
@@ -1566,7 +1566,7 @@
           <a:p>
             <a:fld id="{38625AE7-4F4F-447B-B000-F35D054D4BD8}" type="datetimeFigureOut">
               <a:rPr lang="ko-KR" altLang="en-US" smtClean="0"/>
-              <a:t>2024-05-30</a:t>
+              <a:t>2024-05-31</a:t>
             </a:fld>
             <a:endParaRPr lang="ko-KR" altLang="en-US"/>
           </a:p>
@@ -1978,7 +1978,7 @@
           <a:p>
             <a:fld id="{38625AE7-4F4F-447B-B000-F35D054D4BD8}" type="datetimeFigureOut">
               <a:rPr lang="ko-KR" altLang="en-US" smtClean="0"/>
-              <a:t>2024-05-30</a:t>
+              <a:t>2024-05-31</a:t>
             </a:fld>
             <a:endParaRPr lang="ko-KR" altLang="en-US"/>
           </a:p>
@@ -2119,7 +2119,7 @@
           <a:p>
             <a:fld id="{38625AE7-4F4F-447B-B000-F35D054D4BD8}" type="datetimeFigureOut">
               <a:rPr lang="ko-KR" altLang="en-US" smtClean="0"/>
-              <a:t>2024-05-30</a:t>
+              <a:t>2024-05-31</a:t>
             </a:fld>
             <a:endParaRPr lang="ko-KR" altLang="en-US"/>
           </a:p>
@@ -2232,7 +2232,7 @@
           <a:p>
             <a:fld id="{38625AE7-4F4F-447B-B000-F35D054D4BD8}" type="datetimeFigureOut">
               <a:rPr lang="ko-KR" altLang="en-US" smtClean="0"/>
-              <a:t>2024-05-30</a:t>
+              <a:t>2024-05-31</a:t>
             </a:fld>
             <a:endParaRPr lang="ko-KR" altLang="en-US"/>
           </a:p>
@@ -2543,7 +2543,7 @@
           <a:p>
             <a:fld id="{38625AE7-4F4F-447B-B000-F35D054D4BD8}" type="datetimeFigureOut">
               <a:rPr lang="ko-KR" altLang="en-US" smtClean="0"/>
-              <a:t>2024-05-30</a:t>
+              <a:t>2024-05-31</a:t>
             </a:fld>
             <a:endParaRPr lang="ko-KR" altLang="en-US"/>
           </a:p>
@@ -2831,7 +2831,7 @@
           <a:p>
             <a:fld id="{38625AE7-4F4F-447B-B000-F35D054D4BD8}" type="datetimeFigureOut">
               <a:rPr lang="ko-KR" altLang="en-US" smtClean="0"/>
-              <a:t>2024-05-30</a:t>
+              <a:t>2024-05-31</a:t>
             </a:fld>
             <a:endParaRPr lang="ko-KR" altLang="en-US"/>
           </a:p>
@@ -3072,7 +3072,7 @@
           <a:p>
             <a:fld id="{38625AE7-4F4F-447B-B000-F35D054D4BD8}" type="datetimeFigureOut">
               <a:rPr lang="ko-KR" altLang="en-US" smtClean="0"/>
-              <a:t>2024-05-30</a:t>
+              <a:t>2024-05-31</a:t>
             </a:fld>
             <a:endParaRPr lang="ko-KR" altLang="en-US"/>
           </a:p>
@@ -4177,13 +4177,13 @@
   <p:clrMapOvr>
     <a:masterClrMapping/>
   </p:clrMapOvr>
-  <mc:AlternateContent xmlns:mc="http://schemas.openxmlformats.org/markup-compatibility/2006">
-    <mc:Choice xmlns:p159="http://schemas.microsoft.com/office/powerpoint/2015/09/main" Requires="p159">
+  <mc:AlternateContent xmlns:mc="http://schemas.openxmlformats.org/markup-compatibility/2006" xmlns:p159="http://schemas.microsoft.com/office/powerpoint/2015/09/main">
+    <mc:Choice Requires="p159">
       <p:transition xmlns:p14="http://schemas.microsoft.com/office/powerpoint/2010/main" spd="slow" p14:dur="2000">
         <p159:morph option="byObject"/>
       </p:transition>
     </mc:Choice>
-    <mc:Fallback>
+    <mc:Fallback xmlns="">
       <p:transition spd="slow">
         <p:fade/>
       </p:transition>
@@ -8014,13 +8014,13 @@
   <p:clrMapOvr>
     <a:masterClrMapping/>
   </p:clrMapOvr>
-  <mc:AlternateContent xmlns:mc="http://schemas.openxmlformats.org/markup-compatibility/2006">
-    <mc:Choice xmlns:p14="http://schemas.microsoft.com/office/powerpoint/2010/main" Requires="p14">
+  <mc:AlternateContent xmlns:mc="http://schemas.openxmlformats.org/markup-compatibility/2006" xmlns:p14="http://schemas.microsoft.com/office/powerpoint/2010/main">
+    <mc:Choice Requires="p14">
       <p:transition spd="slow" p14:dur="1300">
         <p14:pan dir="u"/>
       </p:transition>
     </mc:Choice>
-    <mc:Fallback>
+    <mc:Fallback xmlns="">
       <p:transition spd="slow">
         <p:fade/>
       </p:transition>
